--- a/example_sim_figure.pptx
+++ b/example_sim_figure.pptx
@@ -3126,7 +3126,25 @@
                 </a:solidFill>
                 <a:latin typeface="Consolas" panose="020B0609020204030204" pitchFamily="49" charset="0"/>
               </a:rPr>
-              <a:t>  ...)</a:t>
+              <a:t>  </a:t>
+            </a:r>
+            <a:r>
+              <a:rPr lang="en-US" sz="1600" dirty="0" err="1">
+                <a:solidFill>
+                  <a:schemeClr val="tx1"/>
+                </a:solidFill>
+                <a:latin typeface="Consolas" panose="020B0609020204030204" pitchFamily="49" charset="0"/>
+              </a:rPr>
+              <a:t>LD_causal_SNPs</a:t>
+            </a:r>
+            <a:r>
+              <a:rPr lang="en-US" sz="1600" dirty="0">
+                <a:solidFill>
+                  <a:schemeClr val="tx1"/>
+                </a:solidFill>
+                <a:latin typeface="Consolas" panose="020B0609020204030204" pitchFamily="49" charset="0"/>
+              </a:rPr>
+              <a:t>='ar1(0.5)', ...)</a:t>
             </a:r>
           </a:p>
           <a:p>
